--- a/Labs/Lab 7/Project.pptx
+++ b/Labs/Lab 7/Project.pptx
@@ -107,7 +107,16 @@
       </a:defRPr>
     </a:lvl9pPr>
   </p:defaultTextStyle>
+  <p:extLst>
+    <p:ext uri="{EFAFB233-063F-42B5-8137-9DF3F51BA10A}">
+      <p15:sldGuideLst xmlns:p15="http://schemas.microsoft.com/office/powerpoint/2012/main"/>
+    </p:ext>
+  </p:extLst>
 </p:presentation>
+</file>
+
+<file path=ppt/revisionInfo.xml><?xml version="1.0" encoding="utf-8"?>
+<p1510:revInfo xmlns:a="http://schemas.openxmlformats.org/drawingml/2006/main" xmlns:r="http://schemas.openxmlformats.org/officeDocument/2006/relationships" xmlns:p1510="http://schemas.microsoft.com/office/powerpoint/2015/10/main"/>
 </file>
 
 <file path=ppt/slideLayouts/slideLayout1.xml><?xml version="1.0" encoding="utf-8"?>
@@ -3711,6 +3720,68 @@
             <a:endParaRPr lang="en-CA" dirty="0"/>
           </a:p>
           <a:p>
+            <a:r>
+              <a:rPr lang="en-US" dirty="0"/>
+              <a:t>F</a:t>
+            </a:r>
+            <a:r>
+              <a:rPr lang="en-CA" dirty="0" err="1"/>
+              <a:t>iles</a:t>
+            </a:r>
+            <a:r>
+              <a:rPr lang="en-CA" dirty="0"/>
+              <a:t> to change:</a:t>
+            </a:r>
+          </a:p>
+          <a:p>
+            <a:pPr lvl="1"/>
+            <a:r>
+              <a:rPr lang="en-US" dirty="0"/>
+              <a:t>n</a:t>
+            </a:r>
+            <a:r>
+              <a:rPr lang="en-CA" dirty="0" err="1"/>
+              <a:t>odeHash.c</a:t>
+            </a:r>
+            <a:endParaRPr lang="en-CA" dirty="0"/>
+          </a:p>
+          <a:p>
+            <a:pPr lvl="1"/>
+            <a:r>
+              <a:rPr lang="en-US" dirty="0"/>
+              <a:t>c</a:t>
+            </a:r>
+            <a:r>
+              <a:rPr lang="en-CA" dirty="0" err="1"/>
+              <a:t>reateplan.c</a:t>
+            </a:r>
+            <a:endParaRPr lang="en-CA" dirty="0"/>
+          </a:p>
+          <a:p>
+            <a:pPr lvl="1"/>
+            <a:r>
+              <a:rPr lang="en-US" dirty="0"/>
+              <a:t>n</a:t>
+            </a:r>
+            <a:r>
+              <a:rPr lang="en-CA" dirty="0" err="1"/>
+              <a:t>odeHashjoin.c</a:t>
+            </a:r>
+            <a:endParaRPr lang="en-CA" dirty="0"/>
+          </a:p>
+          <a:p>
+            <a:pPr lvl="1"/>
+            <a:r>
+              <a:rPr lang="en-US" dirty="0"/>
+              <a:t>e</a:t>
+            </a:r>
+            <a:r>
+              <a:rPr lang="en-CA" dirty="0" err="1"/>
+              <a:t>xecnodes.h</a:t>
+            </a:r>
+            <a:endParaRPr lang="en-CA" dirty="0"/>
+          </a:p>
+          <a:p>
             <a:endParaRPr lang="en-US" dirty="0"/>
           </a:p>
         </p:txBody>
